--- a/画像認識入門.pptx
+++ b/画像認識入門.pptx
@@ -274,7 +274,7 @@
           <a:p>
             <a:fld id="{5243FA74-6DE7-4FD0-B6D9-152E5BB16EC8}" type="datetimeFigureOut">
               <a:rPr kumimoji="1" lang="ja-JP" altLang="en-US" smtClean="0"/>
-              <a:t>2022/7/7</a:t>
+              <a:t>2022/7/9</a:t>
             </a:fld>
             <a:endParaRPr kumimoji="1" lang="ja-JP" altLang="en-US"/>
           </a:p>
@@ -504,7 +504,7 @@
           <a:p>
             <a:fld id="{5243FA74-6DE7-4FD0-B6D9-152E5BB16EC8}" type="datetimeFigureOut">
               <a:rPr kumimoji="1" lang="ja-JP" altLang="en-US" smtClean="0"/>
-              <a:t>2022/7/7</a:t>
+              <a:t>2022/7/9</a:t>
             </a:fld>
             <a:endParaRPr kumimoji="1" lang="ja-JP" altLang="en-US"/>
           </a:p>
@@ -744,7 +744,7 @@
           <a:p>
             <a:fld id="{5243FA74-6DE7-4FD0-B6D9-152E5BB16EC8}" type="datetimeFigureOut">
               <a:rPr kumimoji="1" lang="ja-JP" altLang="en-US" smtClean="0"/>
-              <a:t>2022/7/7</a:t>
+              <a:t>2022/7/9</a:t>
             </a:fld>
             <a:endParaRPr kumimoji="1" lang="ja-JP" altLang="en-US"/>
           </a:p>
@@ -974,7 +974,7 @@
           <a:p>
             <a:fld id="{5243FA74-6DE7-4FD0-B6D9-152E5BB16EC8}" type="datetimeFigureOut">
               <a:rPr kumimoji="1" lang="ja-JP" altLang="en-US" smtClean="0"/>
-              <a:t>2022/7/7</a:t>
+              <a:t>2022/7/9</a:t>
             </a:fld>
             <a:endParaRPr kumimoji="1" lang="ja-JP" altLang="en-US"/>
           </a:p>
@@ -1249,7 +1249,7 @@
           <a:p>
             <a:fld id="{5243FA74-6DE7-4FD0-B6D9-152E5BB16EC8}" type="datetimeFigureOut">
               <a:rPr kumimoji="1" lang="ja-JP" altLang="en-US" smtClean="0"/>
-              <a:t>2022/7/7</a:t>
+              <a:t>2022/7/9</a:t>
             </a:fld>
             <a:endParaRPr kumimoji="1" lang="ja-JP" altLang="en-US"/>
           </a:p>
@@ -1578,7 +1578,7 @@
           <a:p>
             <a:fld id="{5243FA74-6DE7-4FD0-B6D9-152E5BB16EC8}" type="datetimeFigureOut">
               <a:rPr kumimoji="1" lang="ja-JP" altLang="en-US" smtClean="0"/>
-              <a:t>2022/7/7</a:t>
+              <a:t>2022/7/9</a:t>
             </a:fld>
             <a:endParaRPr kumimoji="1" lang="ja-JP" altLang="en-US"/>
           </a:p>
@@ -2054,7 +2054,7 @@
           <a:p>
             <a:fld id="{5243FA74-6DE7-4FD0-B6D9-152E5BB16EC8}" type="datetimeFigureOut">
               <a:rPr kumimoji="1" lang="ja-JP" altLang="en-US" smtClean="0"/>
-              <a:t>2022/7/7</a:t>
+              <a:t>2022/7/9</a:t>
             </a:fld>
             <a:endParaRPr kumimoji="1" lang="ja-JP" altLang="en-US"/>
           </a:p>
@@ -2195,7 +2195,7 @@
           <a:p>
             <a:fld id="{5243FA74-6DE7-4FD0-B6D9-152E5BB16EC8}" type="datetimeFigureOut">
               <a:rPr kumimoji="1" lang="ja-JP" altLang="en-US" smtClean="0"/>
-              <a:t>2022/7/7</a:t>
+              <a:t>2022/7/9</a:t>
             </a:fld>
             <a:endParaRPr kumimoji="1" lang="ja-JP" altLang="en-US"/>
           </a:p>
@@ -2308,7 +2308,7 @@
           <a:p>
             <a:fld id="{5243FA74-6DE7-4FD0-B6D9-152E5BB16EC8}" type="datetimeFigureOut">
               <a:rPr kumimoji="1" lang="ja-JP" altLang="en-US" smtClean="0"/>
-              <a:t>2022/7/7</a:t>
+              <a:t>2022/7/9</a:t>
             </a:fld>
             <a:endParaRPr kumimoji="1" lang="ja-JP" altLang="en-US"/>
           </a:p>
@@ -2651,7 +2651,7 @@
           <a:p>
             <a:fld id="{5243FA74-6DE7-4FD0-B6D9-152E5BB16EC8}" type="datetimeFigureOut">
               <a:rPr kumimoji="1" lang="ja-JP" altLang="en-US" smtClean="0"/>
-              <a:t>2022/7/7</a:t>
+              <a:t>2022/7/9</a:t>
             </a:fld>
             <a:endParaRPr kumimoji="1" lang="ja-JP" altLang="en-US"/>
           </a:p>
@@ -2939,7 +2939,7 @@
           <a:p>
             <a:fld id="{5243FA74-6DE7-4FD0-B6D9-152E5BB16EC8}" type="datetimeFigureOut">
               <a:rPr kumimoji="1" lang="ja-JP" altLang="en-US" smtClean="0"/>
-              <a:t>2022/7/7</a:t>
+              <a:t>2022/7/9</a:t>
             </a:fld>
             <a:endParaRPr kumimoji="1" lang="ja-JP" altLang="en-US"/>
           </a:p>
@@ -3212,7 +3212,7 @@
           <a:p>
             <a:fld id="{5243FA74-6DE7-4FD0-B6D9-152E5BB16EC8}" type="datetimeFigureOut">
               <a:rPr kumimoji="1" lang="ja-JP" altLang="en-US" smtClean="0"/>
-              <a:t>2022/7/7</a:t>
+              <a:t>2022/7/9</a:t>
             </a:fld>
             <a:endParaRPr kumimoji="1" lang="ja-JP" altLang="en-US"/>
           </a:p>
@@ -4450,8 +4450,8 @@
           </a:p>
         </p:txBody>
       </p:sp>
-      <mc:AlternateContent xmlns:mc="http://schemas.openxmlformats.org/markup-compatibility/2006" xmlns:a14="http://schemas.microsoft.com/office/drawing/2010/main">
-        <mc:Choice Requires="a14">
+      <mc:AlternateContent xmlns:mc="http://schemas.openxmlformats.org/markup-compatibility/2006">
+        <mc:Choice xmlns:a14="http://schemas.microsoft.com/office/drawing/2010/main" Requires="a14">
           <p:sp>
             <p:nvSpPr>
               <p:cNvPr id="3" name="コンテンツ プレースホルダー 2">
@@ -4747,38 +4747,76 @@
                           </m:ctrlPr>
                         </m:dPr>
                         <m:e>
-                          <m:r>
-                            <a:rPr lang="en-US" altLang="ja-JP" b="0" i="1" smtClean="0">
-                              <a:latin typeface="Cambria Math" panose="02040503050406030204" pitchFamily="18" charset="0"/>
-                            </a:rPr>
-                            <m:t>𝑦</m:t>
-                          </m:r>
+                          <m:sSub>
+                            <m:sSubPr>
+                              <m:ctrlPr>
+                                <a:rPr lang="en-US" altLang="ja-JP" b="0" i="1" smtClean="0">
+                                  <a:latin typeface="Cambria Math" panose="02040503050406030204" pitchFamily="18" charset="0"/>
+                                </a:rPr>
+                              </m:ctrlPr>
+                            </m:sSubPr>
+                            <m:e>
+                              <m:r>
+                                <a:rPr lang="en-US" altLang="ja-JP" b="0" i="1" smtClean="0">
+                                  <a:latin typeface="Cambria Math" panose="02040503050406030204" pitchFamily="18" charset="0"/>
+                                </a:rPr>
+                                <m:t>𝑦</m:t>
+                              </m:r>
+                            </m:e>
+                            <m:sub>
+                              <m:r>
+                                <a:rPr lang="en-US" altLang="ja-JP" b="0" i="1" smtClean="0">
+                                  <a:latin typeface="Cambria Math" panose="02040503050406030204" pitchFamily="18" charset="0"/>
+                                </a:rPr>
+                                <m:t>𝑖</m:t>
+                              </m:r>
+                            </m:sub>
+                          </m:sSub>
                           <m:r>
                             <a:rPr lang="en-US" altLang="ja-JP" b="0" i="1" smtClean="0">
                               <a:latin typeface="Cambria Math" panose="02040503050406030204" pitchFamily="18" charset="0"/>
                             </a:rPr>
                             <m:t>,</m:t>
                           </m:r>
-                          <m:acc>
-                            <m:accPr>
-                              <m:chr m:val="̂"/>
+                          <m:sSub>
+                            <m:sSubPr>
                               <m:ctrlPr>
-                                <a:rPr lang="en-US" altLang="ja-JP" b="0" i="1" smtClean="0">
+                                <a:rPr lang="en-US" altLang="ja-JP" i="1">
                                   <a:latin typeface="Cambria Math" panose="02040503050406030204" pitchFamily="18" charset="0"/>
-                                  <a:ea typeface="Cambria Math" panose="02040503050406030204" pitchFamily="18" charset="0"/>
                                 </a:rPr>
                               </m:ctrlPr>
-                            </m:accPr>
+                            </m:sSubPr>
                             <m:e>
+                              <m:acc>
+                                <m:accPr>
+                                  <m:chr m:val="̂"/>
+                                  <m:ctrlPr>
+                                    <a:rPr lang="en-US" altLang="ja-JP" i="1">
+                                      <a:latin typeface="Cambria Math" panose="02040503050406030204" pitchFamily="18" charset="0"/>
+                                      <a:ea typeface="Cambria Math" panose="02040503050406030204" pitchFamily="18" charset="0"/>
+                                    </a:rPr>
+                                  </m:ctrlPr>
+                                </m:accPr>
+                                <m:e>
+                                  <m:r>
+                                    <a:rPr lang="en-US" altLang="ja-JP" i="1">
+                                      <a:latin typeface="Cambria Math" panose="02040503050406030204" pitchFamily="18" charset="0"/>
+                                      <a:ea typeface="Cambria Math" panose="02040503050406030204" pitchFamily="18" charset="0"/>
+                                    </a:rPr>
+                                    <m:t>𝑦</m:t>
+                                  </m:r>
+                                </m:e>
+                              </m:acc>
+                            </m:e>
+                            <m:sub>
                               <m:r>
-                                <a:rPr lang="en-US" altLang="ja-JP" b="0" i="1" smtClean="0">
+                                <a:rPr lang="en-US" altLang="ja-JP" i="1">
                                   <a:latin typeface="Cambria Math" panose="02040503050406030204" pitchFamily="18" charset="0"/>
-                                  <a:ea typeface="Cambria Math" panose="02040503050406030204" pitchFamily="18" charset="0"/>
                                 </a:rPr>
-                                <m:t>𝑦</m:t>
+                                <m:t>𝑖</m:t>
                               </m:r>
-                            </m:e>
-                          </m:acc>
+                            </m:sub>
+                          </m:sSub>
                         </m:e>
                       </m:d>
                       <m:r>
@@ -4824,6 +4862,18 @@
                                 </a:rPr>
                                 <m:t>𝑖</m:t>
                               </m:r>
+                              <m:r>
+                                <a:rPr lang="en-US" altLang="ja-JP" b="0" i="1" smtClean="0">
+                                  <a:latin typeface="Cambria Math" panose="02040503050406030204" pitchFamily="18" charset="0"/>
+                                </a:rPr>
+                                <m:t>,</m:t>
+                              </m:r>
+                              <m:r>
+                                <a:rPr lang="en-US" altLang="ja-JP" b="0" i="1" smtClean="0">
+                                  <a:latin typeface="Cambria Math" panose="02040503050406030204" pitchFamily="18" charset="0"/>
+                                </a:rPr>
+                                <m:t>𝑗</m:t>
+                              </m:r>
                             </m:sub>
                           </m:sSub>
                           <m:func>
@@ -4859,14 +4909,14 @@
                                   <m:sSub>
                                     <m:sSubPr>
                                       <m:ctrlPr>
-                                        <a:rPr lang="en-US" altLang="ja-JP" b="0" i="1" smtClean="0">
+                                        <a:rPr lang="en-US" altLang="ja-JP" i="1">
                                           <a:latin typeface="Cambria Math" panose="02040503050406030204" pitchFamily="18" charset="0"/>
                                         </a:rPr>
                                       </m:ctrlPr>
                                     </m:sSubPr>
                                     <m:e>
                                       <m:r>
-                                        <a:rPr lang="en-US" altLang="ja-JP" b="0" i="1" smtClean="0">
+                                        <a:rPr lang="en-US" altLang="ja-JP" i="1">
                                           <a:latin typeface="Cambria Math" panose="02040503050406030204" pitchFamily="18" charset="0"/>
                                         </a:rPr>
                                         <m:t>𝑦</m:t>
@@ -4874,10 +4924,22 @@
                                     </m:e>
                                     <m:sub>
                                       <m:r>
+                                        <a:rPr lang="en-US" altLang="ja-JP" i="1">
+                                          <a:latin typeface="Cambria Math" panose="02040503050406030204" pitchFamily="18" charset="0"/>
+                                        </a:rPr>
+                                        <m:t>𝑖</m:t>
+                                      </m:r>
+                                      <m:r>
                                         <a:rPr lang="en-US" altLang="ja-JP" b="0" i="1" smtClean="0">
                                           <a:latin typeface="Cambria Math" panose="02040503050406030204" pitchFamily="18" charset="0"/>
                                         </a:rPr>
-                                        <m:t>𝑖</m:t>
+                                        <m:t>,</m:t>
+                                      </m:r>
+                                      <m:r>
+                                        <a:rPr lang="en-US" altLang="ja-JP" b="0" i="1" smtClean="0">
+                                          <a:latin typeface="Cambria Math" panose="02040503050406030204" pitchFamily="18" charset="0"/>
+                                        </a:rPr>
+                                        <m:t>𝑗</m:t>
                                       </m:r>
                                     </m:sub>
                                   </m:sSub>
@@ -4898,7 +4960,7 @@
             </p:txBody>
           </p:sp>
         </mc:Choice>
-        <mc:Fallback xmlns="">
+        <mc:Fallback>
           <p:sp>
             <p:nvSpPr>
               <p:cNvPr id="3" name="コンテンツ プレースホルダー 2">
@@ -5008,8 +5070,8 @@
           </a:p>
         </p:txBody>
       </p:sp>
-      <mc:AlternateContent xmlns:mc="http://schemas.openxmlformats.org/markup-compatibility/2006" xmlns:a14="http://schemas.microsoft.com/office/drawing/2010/main">
-        <mc:Choice Requires="a14">
+      <mc:AlternateContent xmlns:mc="http://schemas.openxmlformats.org/markup-compatibility/2006">
+        <mc:Choice xmlns:a14="http://schemas.microsoft.com/office/drawing/2010/main" Requires="a14">
           <p:sp>
             <p:nvSpPr>
               <p:cNvPr id="3" name="コンテンツ プレースホルダー 2">
@@ -5253,12 +5315,31 @@
                         </m:ctrlPr>
                       </m:dPr>
                       <m:e>
-                        <m:r>
-                          <a:rPr lang="en-US" altLang="ja-JP" b="0" i="1" smtClean="0">
-                            <a:latin typeface="Cambria Math" panose="02040503050406030204" pitchFamily="18" charset="0"/>
-                          </a:rPr>
-                          <m:t>𝑦</m:t>
-                        </m:r>
+                        <m:sSub>
+                          <m:sSubPr>
+                            <m:ctrlPr>
+                              <a:rPr lang="en-US" altLang="ja-JP" i="1">
+                                <a:latin typeface="Cambria Math" panose="02040503050406030204" pitchFamily="18" charset="0"/>
+                              </a:rPr>
+                            </m:ctrlPr>
+                          </m:sSubPr>
+                          <m:e>
+                            <m:r>
+                              <a:rPr lang="en-US" altLang="ja-JP" i="1">
+                                <a:latin typeface="Cambria Math" panose="02040503050406030204" pitchFamily="18" charset="0"/>
+                              </a:rPr>
+                              <m:t>𝑦</m:t>
+                            </m:r>
+                          </m:e>
+                          <m:sub>
+                            <m:r>
+                              <a:rPr lang="en-US" altLang="ja-JP" i="1">
+                                <a:latin typeface="Cambria Math" panose="02040503050406030204" pitchFamily="18" charset="0"/>
+                              </a:rPr>
+                              <m:t>𝑖</m:t>
+                            </m:r>
+                          </m:sub>
+                        </m:sSub>
                         <m:r>
                           <a:rPr lang="en-US" altLang="ja-JP" b="0" i="1" smtClean="0">
                             <a:latin typeface="Cambria Math" panose="02040503050406030204" pitchFamily="18" charset="0"/>
@@ -5276,13 +5357,31 @@
                             </m:ctrlPr>
                           </m:accPr>
                           <m:e>
-                            <m:r>
-                              <a:rPr lang="en-US" altLang="ja-JP" b="0" i="1" smtClean="0">
-                                <a:latin typeface="Cambria Math" panose="02040503050406030204" pitchFamily="18" charset="0"/>
-                                <a:ea typeface="Cambria Math" panose="02040503050406030204" pitchFamily="18" charset="0"/>
-                              </a:rPr>
-                              <m:t>𝑦</m:t>
-                            </m:r>
+                            <m:sSub>
+                              <m:sSubPr>
+                                <m:ctrlPr>
+                                  <a:rPr lang="en-US" altLang="ja-JP" i="1">
+                                    <a:latin typeface="Cambria Math" panose="02040503050406030204" pitchFamily="18" charset="0"/>
+                                  </a:rPr>
+                                </m:ctrlPr>
+                              </m:sSubPr>
+                              <m:e>
+                                <m:r>
+                                  <a:rPr lang="en-US" altLang="ja-JP" i="1">
+                                    <a:latin typeface="Cambria Math" panose="02040503050406030204" pitchFamily="18" charset="0"/>
+                                  </a:rPr>
+                                  <m:t>𝑦</m:t>
+                                </m:r>
+                              </m:e>
+                              <m:sub>
+                                <m:r>
+                                  <a:rPr lang="en-US" altLang="ja-JP" i="1">
+                                    <a:latin typeface="Cambria Math" panose="02040503050406030204" pitchFamily="18" charset="0"/>
+                                  </a:rPr>
+                                  <m:t>𝑖</m:t>
+                                </m:r>
+                              </m:sub>
+                            </m:sSub>
                           </m:e>
                         </m:acc>
                       </m:e>
@@ -5310,14 +5409,14 @@
                         <m:sSub>
                           <m:sSubPr>
                             <m:ctrlPr>
-                              <a:rPr lang="en-US" altLang="ja-JP" b="0" i="1" smtClean="0">
+                              <a:rPr lang="en-US" altLang="ja-JP" i="1">
                                 <a:latin typeface="Cambria Math" panose="02040503050406030204" pitchFamily="18" charset="0"/>
                               </a:rPr>
                             </m:ctrlPr>
                           </m:sSubPr>
                           <m:e>
                             <m:r>
-                              <a:rPr lang="en-US" altLang="ja-JP" b="0" i="1" smtClean="0">
+                              <a:rPr lang="en-US" altLang="ja-JP" i="1">
                                 <a:latin typeface="Cambria Math" panose="02040503050406030204" pitchFamily="18" charset="0"/>
                               </a:rPr>
                               <m:t>𝑦</m:t>
@@ -5325,17 +5424,29 @@
                           </m:e>
                           <m:sub>
                             <m:r>
-                              <a:rPr lang="en-US" altLang="ja-JP" b="0" i="1" smtClean="0">
+                              <a:rPr lang="en-US" altLang="ja-JP" i="1">
                                 <a:latin typeface="Cambria Math" panose="02040503050406030204" pitchFamily="18" charset="0"/>
                               </a:rPr>
                               <m:t>𝑖</m:t>
+                            </m:r>
+                            <m:r>
+                              <a:rPr lang="en-US" altLang="ja-JP" i="1">
+                                <a:latin typeface="Cambria Math" panose="02040503050406030204" pitchFamily="18" charset="0"/>
+                              </a:rPr>
+                              <m:t>,</m:t>
+                            </m:r>
+                            <m:r>
+                              <a:rPr lang="en-US" altLang="ja-JP" i="1">
+                                <a:latin typeface="Cambria Math" panose="02040503050406030204" pitchFamily="18" charset="0"/>
+                              </a:rPr>
+                              <m:t>𝑗</m:t>
                             </m:r>
                           </m:sub>
                         </m:sSub>
                         <m:func>
                           <m:funcPr>
                             <m:ctrlPr>
-                              <a:rPr lang="en-US" altLang="ja-JP" b="0" i="1" smtClean="0">
+                              <a:rPr lang="en-US" altLang="ja-JP" i="1">
                                 <a:latin typeface="Cambria Math" panose="02040503050406030204" pitchFamily="18" charset="0"/>
                               </a:rPr>
                             </m:ctrlPr>
@@ -5345,7 +5456,7 @@
                               <m:rPr>
                                 <m:sty m:val="p"/>
                               </m:rPr>
-                              <a:rPr lang="en-US" altLang="ja-JP" b="0" i="0" smtClean="0">
+                              <a:rPr lang="en-US" altLang="ja-JP">
                                 <a:latin typeface="Cambria Math" panose="02040503050406030204" pitchFamily="18" charset="0"/>
                               </a:rPr>
                               <m:t>log</m:t>
@@ -5356,7 +5467,7 @@
                               <m:accPr>
                                 <m:chr m:val="̂"/>
                                 <m:ctrlPr>
-                                  <a:rPr lang="en-US" altLang="ja-JP" b="0" i="1" smtClean="0">
+                                  <a:rPr lang="en-US" altLang="ja-JP" i="1">
                                     <a:latin typeface="Cambria Math" panose="02040503050406030204" pitchFamily="18" charset="0"/>
                                   </a:rPr>
                                 </m:ctrlPr>
@@ -5365,14 +5476,14 @@
                                 <m:sSub>
                                   <m:sSubPr>
                                     <m:ctrlPr>
-                                      <a:rPr lang="en-US" altLang="ja-JP" b="0" i="1" smtClean="0">
+                                      <a:rPr lang="en-US" altLang="ja-JP" i="1">
                                         <a:latin typeface="Cambria Math" panose="02040503050406030204" pitchFamily="18" charset="0"/>
                                       </a:rPr>
                                     </m:ctrlPr>
                                   </m:sSubPr>
                                   <m:e>
                                     <m:r>
-                                      <a:rPr lang="en-US" altLang="ja-JP" b="0" i="1" smtClean="0">
+                                      <a:rPr lang="en-US" altLang="ja-JP" i="1">
                                         <a:latin typeface="Cambria Math" panose="02040503050406030204" pitchFamily="18" charset="0"/>
                                       </a:rPr>
                                       <m:t>𝑦</m:t>
@@ -5380,10 +5491,22 @@
                                   </m:e>
                                   <m:sub>
                                     <m:r>
-                                      <a:rPr lang="en-US" altLang="ja-JP" b="0" i="1" smtClean="0">
+                                      <a:rPr lang="en-US" altLang="ja-JP" i="1">
                                         <a:latin typeface="Cambria Math" panose="02040503050406030204" pitchFamily="18" charset="0"/>
                                       </a:rPr>
                                       <m:t>𝑖</m:t>
+                                    </m:r>
+                                    <m:r>
+                                      <a:rPr lang="en-US" altLang="ja-JP" i="1">
+                                        <a:latin typeface="Cambria Math" panose="02040503050406030204" pitchFamily="18" charset="0"/>
+                                      </a:rPr>
+                                      <m:t>,</m:t>
+                                    </m:r>
+                                    <m:r>
+                                      <a:rPr lang="en-US" altLang="ja-JP" i="1">
+                                        <a:latin typeface="Cambria Math" panose="02040503050406030204" pitchFamily="18" charset="0"/>
+                                      </a:rPr>
+                                      <m:t>𝑗</m:t>
                                     </m:r>
                                   </m:sub>
                                 </m:sSub>
@@ -5594,7 +5717,7 @@
             </p:txBody>
           </p:sp>
         </mc:Choice>
-        <mc:Fallback xmlns="">
+        <mc:Fallback>
           <p:sp>
             <p:nvSpPr>
               <p:cNvPr id="3" name="コンテンツ プレースホルダー 2">
@@ -5857,8 +5980,8 @@
           </a:p>
         </p:txBody>
       </p:sp>
-      <mc:AlternateContent xmlns:mc="http://schemas.openxmlformats.org/markup-compatibility/2006" xmlns:a14="http://schemas.microsoft.com/office/drawing/2010/main">
-        <mc:Choice Requires="a14">
+      <mc:AlternateContent xmlns:mc="http://schemas.openxmlformats.org/markup-compatibility/2006">
+        <mc:Choice xmlns:a14="http://schemas.microsoft.com/office/drawing/2010/main" Requires="a14">
           <p:sp>
             <p:nvSpPr>
               <p:cNvPr id="3" name="コンテンツ プレースホルダー 2">
@@ -6021,16 +6144,6 @@
                   <a:buNone/>
                 </a:pPr>
                 <a:r>
-                  <a:rPr kumimoji="1" lang="ja-JP" altLang="en-US" dirty="0"/>
-                  <a:t>・クロスエントロピー損失  →  「できるだけ成り立つ」を定量化</a:t>
-                </a:r>
-                <a:endParaRPr kumimoji="1" lang="en-US" altLang="ja-JP" dirty="0"/>
-              </a:p>
-              <a:p>
-                <a:pPr marL="0" indent="0">
-                  <a:buNone/>
-                </a:pPr>
-                <a:r>
                   <a:rPr lang="ja-JP" altLang="en-US" dirty="0"/>
                   <a:t>・</a:t>
                 </a:r>
@@ -6053,6 +6166,16 @@
                 <a:r>
                   <a:rPr lang="ja-JP" altLang="en-US" dirty="0"/>
                   <a:t>の具体的な関数形</a:t>
+                </a:r>
+                <a:endParaRPr lang="en-US" altLang="ja-JP" dirty="0"/>
+              </a:p>
+              <a:p>
+                <a:pPr marL="0" indent="0">
+                  <a:buNone/>
+                </a:pPr>
+                <a:r>
+                  <a:rPr kumimoji="1" lang="ja-JP" altLang="en-US" dirty="0"/>
+                  <a:t>・クロスエントロピー損失関数  →  「できるだけ成り立つ」を定量化</a:t>
                 </a:r>
                 <a:endParaRPr lang="en-US" altLang="ja-JP" dirty="0"/>
               </a:p>
@@ -6085,7 +6208,7 @@
             </p:txBody>
           </p:sp>
         </mc:Choice>
-        <mc:Fallback xmlns="">
+        <mc:Fallback>
           <p:sp>
             <p:nvSpPr>
               <p:cNvPr id="3" name="コンテンツ プレースホルダー 2">
@@ -6106,7 +6229,7 @@
               <a:blipFill>
                 <a:blip r:embed="rId2"/>
                 <a:stretch>
-                  <a:fillRect l="-1043" t="-2101"/>
+                  <a:fillRect l="-1043" t="-2101" r="-348"/>
                 </a:stretch>
               </a:blipFill>
             </p:spPr>
@@ -8108,12 +8231,8 @@
                   <a:t>(x) </a:t>
                 </a:r>
                 <a:r>
-                  <a:rPr lang="ja-JP" altLang="en-US"/>
-                  <a:t>は具体的にどう</a:t>
-                </a:r>
-                <a:r>
                   <a:rPr lang="ja-JP" altLang="en-US" dirty="0"/>
-                  <a:t>いう形にする？</a:t>
+                  <a:t>は具体的にどういう形にする？</a:t>
                 </a:r>
                 <a:endParaRPr lang="en-US" altLang="ja-JP" dirty="0"/>
               </a:p>
